--- a/paradigms.pptx
+++ b/paradigms.pptx
@@ -23,7 +23,7 @@
   <p:notesSz cx="6858000" cy="9144000"/>
   <p:embeddedFontLst>
     <p:embeddedFont>
-      <p:font typeface="Source Sans Pro" panose="020B0604020202020204" charset="0"/>
+      <p:font typeface="Josefin Slab SemiBold" panose="020B0604020202020204" charset="0"/>
       <p:regular r:id="rId13"/>
       <p:bold r:id="rId14"/>
       <p:italic r:id="rId15"/>
@@ -37,7 +37,7 @@
       <p:boldItalic r:id="rId20"/>
     </p:embeddedFont>
     <p:embeddedFont>
-      <p:font typeface="Josefin Slab SemiBold" panose="020B0604020202020204" charset="0"/>
+      <p:font typeface="Source Sans Pro" panose="020B0604020202020204" charset="0"/>
       <p:regular r:id="rId21"/>
       <p:bold r:id="rId22"/>
       <p:italic r:id="rId23"/>
@@ -273,6 +273,11 @@
       </a:defRPr>
     </a:lvl9pPr>
   </p:defaultTextStyle>
+  <p:extLst>
+    <p:ext uri="{EFAFB233-063F-42B5-8137-9DF3F51BA10A}">
+      <p15:sldGuideLst xmlns:p15="http://schemas.microsoft.com/office/powerpoint/2012/main"/>
+    </p:ext>
+  </p:extLst>
 </p:presentation>
 </file>
 
@@ -37231,11 +37236,6 @@
               </a:rPr>
               <a:t>Declarative</a:t>
             </a:r>
-            <a:endParaRPr lang="en-US" sz="2700" b="1" dirty="0">
-              <a:solidFill>
-                <a:schemeClr val="tx1"/>
-              </a:solidFill>
-            </a:endParaRPr>
           </a:p>
         </p:txBody>
       </p:sp>
@@ -40290,12 +40290,36 @@
               <a:t> </a:t>
             </a:r>
             <a:r>
+              <a:rPr lang="en-US" sz="2000" dirty="0" smtClean="0">
+                <a:solidFill>
+                  <a:schemeClr val="tx1"/>
+                </a:solidFill>
+              </a:rPr>
+              <a:t>real </a:t>
+            </a:r>
+            <a:r>
+              <a:rPr lang="az-Latn-AZ" sz="2000" dirty="0" smtClean="0">
+                <a:solidFill>
+                  <a:schemeClr val="tx1"/>
+                </a:solidFill>
+              </a:rPr>
+              <a:t>həyatda</a:t>
+            </a:r>
+            <a:r>
+              <a:rPr lang="en-US" sz="2000" dirty="0" smtClean="0">
+                <a:solidFill>
+                  <a:schemeClr val="tx1"/>
+                </a:solidFill>
+              </a:rPr>
+              <a:t> </a:t>
+            </a:r>
+            <a:r>
               <a:rPr lang="en-US" sz="2000" dirty="0" err="1">
                 <a:solidFill>
                   <a:schemeClr val="tx1"/>
                 </a:solidFill>
               </a:rPr>
-              <a:t>ssenaridə</a:t>
+              <a:t>olan</a:t>
             </a:r>
             <a:r>
               <a:rPr lang="en-US" sz="2000" dirty="0">
@@ -40311,7 +40335,7 @@
                   <a:schemeClr val="tx1"/>
                 </a:solidFill>
               </a:rPr>
-              <a:t>olan</a:t>
+              <a:t>demək</a:t>
             </a:r>
             <a:r>
               <a:rPr lang="en-US" sz="2000" dirty="0">
@@ -40327,7 +40351,7 @@
                   <a:schemeClr val="tx1"/>
                 </a:solidFill>
               </a:rPr>
-              <a:t>demək</a:t>
+              <a:t>olar</a:t>
             </a:r>
             <a:r>
               <a:rPr lang="en-US" sz="2000" dirty="0">
@@ -40343,7 +40367,7 @@
                   <a:schemeClr val="tx1"/>
                 </a:solidFill>
               </a:rPr>
-              <a:t>olar</a:t>
+              <a:t>ki</a:t>
             </a:r>
             <a:r>
               <a:rPr lang="en-US" sz="2000" dirty="0">
@@ -40351,6 +40375,22 @@
                   <a:schemeClr val="tx1"/>
                 </a:solidFill>
               </a:rPr>
+              <a:t>, </a:t>
+            </a:r>
+            <a:r>
+              <a:rPr lang="en-US" sz="2000" dirty="0" err="1">
+                <a:solidFill>
+                  <a:schemeClr val="tx1"/>
+                </a:solidFill>
+              </a:rPr>
+              <a:t>hər</a:t>
+            </a:r>
+            <a:r>
+              <a:rPr lang="en-US" sz="2000" dirty="0">
+                <a:solidFill>
+                  <a:schemeClr val="tx1"/>
+                </a:solidFill>
+              </a:rPr>
               <a:t> </a:t>
             </a:r>
             <a:r>
@@ -40359,7 +40399,7 @@
                   <a:schemeClr val="tx1"/>
                 </a:solidFill>
               </a:rPr>
-              <a:t>ki</a:t>
+              <a:t>hansı</a:t>
             </a:r>
             <a:r>
               <a:rPr lang="en-US" sz="2000" dirty="0">
@@ -40367,7 +40407,7 @@
                   <a:schemeClr val="tx1"/>
                 </a:solidFill>
               </a:rPr>
-              <a:t>, </a:t>
+              <a:t> </a:t>
             </a:r>
             <a:r>
               <a:rPr lang="en-US" sz="2000" dirty="0" err="1">
@@ -40375,10 +40415,10 @@
                   <a:schemeClr val="tx1"/>
                 </a:solidFill>
               </a:rPr>
-              <a:t>hər</a:t>
-            </a:r>
-            <a:r>
-              <a:rPr lang="en-US" sz="2000" dirty="0">
+              <a:t>bir</a:t>
+            </a:r>
+            <a:r>
+              <a:rPr lang="en-US" sz="2000">
                 <a:solidFill>
                   <a:schemeClr val="tx1"/>
                 </a:solidFill>
@@ -40386,55 +40426,7 @@
               <a:t> </a:t>
             </a:r>
             <a:r>
-              <a:rPr lang="en-US" sz="2000" dirty="0" err="1">
-                <a:solidFill>
-                  <a:schemeClr val="tx1"/>
-                </a:solidFill>
-              </a:rPr>
-              <a:t>hansı</a:t>
-            </a:r>
-            <a:r>
-              <a:rPr lang="en-US" sz="2000" dirty="0">
-                <a:solidFill>
-                  <a:schemeClr val="tx1"/>
-                </a:solidFill>
-              </a:rPr>
-              <a:t> </a:t>
-            </a:r>
-            <a:r>
-              <a:rPr lang="en-US" sz="2000" dirty="0" err="1">
-                <a:solidFill>
-                  <a:schemeClr val="tx1"/>
-                </a:solidFill>
-              </a:rPr>
-              <a:t>bir</a:t>
-            </a:r>
-            <a:r>
-              <a:rPr lang="en-US" sz="2000" dirty="0">
-                <a:solidFill>
-                  <a:schemeClr val="tx1"/>
-                </a:solidFill>
-              </a:rPr>
-              <a:t> real </a:t>
-            </a:r>
-            <a:r>
-              <a:rPr lang="en-US" sz="2000" dirty="0" err="1">
-                <a:solidFill>
-                  <a:schemeClr val="tx1"/>
-                </a:solidFill>
-              </a:rPr>
-              <a:t>həyat</a:t>
-            </a:r>
-            <a:r>
-              <a:rPr lang="en-US" sz="2000" dirty="0">
-                <a:solidFill>
-                  <a:schemeClr val="tx1"/>
-                </a:solidFill>
-              </a:rPr>
-              <a:t> </a:t>
-            </a:r>
-            <a:r>
-              <a:rPr lang="en-US" sz="2000" dirty="0" err="1">
+              <a:rPr lang="en-US" sz="2000" smtClean="0">
                 <a:solidFill>
                   <a:schemeClr val="tx1"/>
                 </a:solidFill>
@@ -40442,7 +40434,7 @@
               <a:t>problemini</a:t>
             </a:r>
             <a:r>
-              <a:rPr lang="en-US" sz="2000" dirty="0">
+              <a:rPr lang="en-US" sz="2000" dirty="0" smtClean="0">
                 <a:solidFill>
                   <a:schemeClr val="tx1"/>
                 </a:solidFill>
